--- a/Presentation and Report/Presentation.pptx
+++ b/Presentation and Report/Presentation.pptx
@@ -10,6 +10,11 @@
     <p:sldId id="258" r:id="rId4"/>
     <p:sldId id="259" r:id="rId5"/>
     <p:sldId id="260" r:id="rId6"/>
+    <p:sldId id="261" r:id="rId7"/>
+    <p:sldId id="262" r:id="rId8"/>
+    <p:sldId id="263" r:id="rId9"/>
+    <p:sldId id="264" r:id="rId10"/>
+    <p:sldId id="265" r:id="rId11"/>
   </p:sldIdLst>
   <p:sldSz cx="12192000" cy="6858000"/>
   <p:notesSz cx="6858000" cy="9144000"/>
@@ -4658,6 +4663,112 @@
 </p:sld>
 </file>
 
+<file path=ppt/slides/slide10.xml><?xml version="1.0" encoding="utf-8"?>
+<p:sld xmlns:a="http://schemas.openxmlformats.org/drawingml/2006/main" xmlns:r="http://schemas.openxmlformats.org/officeDocument/2006/relationships" xmlns:p="http://schemas.openxmlformats.org/presentationml/2006/main">
+  <p:cSld>
+    <p:spTree>
+      <p:nvGrpSpPr>
+        <p:cNvPr id="1" name=""/>
+        <p:cNvGrpSpPr/>
+        <p:nvPr/>
+      </p:nvGrpSpPr>
+      <p:grpSpPr>
+        <a:xfrm>
+          <a:off x="0" y="0"/>
+          <a:ext cx="0" cy="0"/>
+          <a:chOff x="0" y="0"/>
+          <a:chExt cx="0" cy="0"/>
+        </a:xfrm>
+      </p:grpSpPr>
+      <p:sp>
+        <p:nvSpPr>
+          <p:cNvPr id="2" name="Title 1">
+            <a:extLst>
+              <a:ext uri="{FF2B5EF4-FFF2-40B4-BE49-F238E27FC236}">
+                <a16:creationId xmlns:a16="http://schemas.microsoft.com/office/drawing/2014/main" id="{27B1BA83-1BD7-8764-B1B8-CB392E810E3E}"/>
+              </a:ext>
+            </a:extLst>
+          </p:cNvPr>
+          <p:cNvSpPr>
+            <a:spLocks noGrp="1"/>
+          </p:cNvSpPr>
+          <p:nvPr>
+            <p:ph type="title"/>
+          </p:nvPr>
+        </p:nvSpPr>
+        <p:spPr/>
+        <p:txBody>
+          <a:bodyPr/>
+          <a:lstStyle/>
+          <a:p>
+            <a:pPr algn="l"/>
+            <a:r>
+              <a:rPr lang="en-GB" dirty="0"/>
+              <a:t>Conclusions</a:t>
+            </a:r>
+            <a:br>
+              <a:rPr lang="en-GB" dirty="0"/>
+            </a:br>
+            <a:r>
+              <a:rPr lang="en-GB" dirty="0"/>
+              <a:t>&amp; Thanks</a:t>
+            </a:r>
+          </a:p>
+        </p:txBody>
+      </p:sp>
+      <p:sp>
+        <p:nvSpPr>
+          <p:cNvPr id="3" name="Content Placeholder 2">
+            <a:extLst>
+              <a:ext uri="{FF2B5EF4-FFF2-40B4-BE49-F238E27FC236}">
+                <a16:creationId xmlns:a16="http://schemas.microsoft.com/office/drawing/2014/main" id="{28175E5B-0E96-9551-E782-2659D7068B55}"/>
+              </a:ext>
+            </a:extLst>
+          </p:cNvPr>
+          <p:cNvSpPr>
+            <a:spLocks noGrp="1"/>
+          </p:cNvSpPr>
+          <p:nvPr>
+            <p:ph idx="1"/>
+          </p:nvPr>
+        </p:nvSpPr>
+        <p:spPr/>
+        <p:txBody>
+          <a:bodyPr/>
+          <a:lstStyle/>
+          <a:p>
+            <a:r>
+              <a:rPr lang="en-GB" dirty="0"/>
+              <a:t>We got pretty high results, which seems to be the maximum with our limitations.</a:t>
+            </a:r>
+          </a:p>
+          <a:p>
+            <a:r>
+              <a:rPr lang="en-GB" dirty="0"/>
+              <a:t>There are of course more ways to improve these, with much complex models.</a:t>
+            </a:r>
+          </a:p>
+          <a:p>
+            <a:r>
+              <a:rPr lang="en-GB" dirty="0"/>
+              <a:t>Thank you for listening to our presentation.</a:t>
+            </a:r>
+          </a:p>
+        </p:txBody>
+      </p:sp>
+    </p:spTree>
+    <p:extLst>
+      <p:ext uri="{BB962C8B-B14F-4D97-AF65-F5344CB8AC3E}">
+        <p14:creationId xmlns:p14="http://schemas.microsoft.com/office/powerpoint/2010/main" val="1398350441"/>
+      </p:ext>
+    </p:extLst>
+  </p:cSld>
+  <p:clrMapOvr>
+    <a:masterClrMapping/>
+  </p:clrMapOvr>
+</p:sld>
+</file>
+
 <file path=ppt/slides/slide2.xml><?xml version="1.0" encoding="utf-8"?>
 <p:sld xmlns:a="http://schemas.openxmlformats.org/drawingml/2006/main" xmlns:r="http://schemas.openxmlformats.org/officeDocument/2006/relationships" xmlns:p="http://schemas.openxmlformats.org/presentationml/2006/main">
   <p:cSld>
@@ -4762,14 +4873,19 @@
           <a:p>
             <a:r>
               <a:rPr lang="en-GB" dirty="0"/>
-              <a:t>Scams</a:t>
+              <a:t>Scams: Individuals</a:t>
             </a:r>
           </a:p>
           <a:p>
             <a:r>
               <a:rPr lang="en-GB" dirty="0"/>
-              <a:t>Malware</a:t>
-            </a:r>
+              <a:t>Malware: </a:t>
+            </a:r>
+            <a:r>
+              <a:rPr lang="en-GB" dirty="0" err="1"/>
+              <a:t>Compaines</a:t>
+            </a:r>
+            <a:endParaRPr lang="en-GB" dirty="0"/>
           </a:p>
           <a:p>
             <a:r>
@@ -5213,17 +5329,29 @@
             <a:pPr algn="l"/>
             <a:r>
               <a:rPr lang="en-GB" dirty="0"/>
-              <a:t>.</a:t>
-            </a:r>
-          </a:p>
-        </p:txBody>
-      </p:sp>
-      <p:sp>
-        <p:nvSpPr>
-          <p:cNvPr id="3" name="Content Placeholder 2">
+              <a:t>System Architecture:</a:t>
+            </a:r>
+            <a:br>
+              <a:rPr lang="en-GB" dirty="0"/>
+            </a:br>
+            <a:r>
+              <a:rPr lang="en-GB" dirty="0"/>
+              <a:t>	</a:t>
+            </a:r>
+            <a:r>
+              <a:rPr lang="en-GB" sz="2800" dirty="0"/>
+              <a:t>Pre-Processing</a:t>
+            </a:r>
+            <a:endParaRPr lang="en-GB" dirty="0"/>
+          </a:p>
+        </p:txBody>
+      </p:sp>
+      <p:sp>
+        <p:nvSpPr>
+          <p:cNvPr id="9" name="Text Placeholder 8">
             <a:extLst>
               <a:ext uri="{FF2B5EF4-FFF2-40B4-BE49-F238E27FC236}">
-                <a16:creationId xmlns:a16="http://schemas.microsoft.com/office/drawing/2014/main" id="{8AA2A3E4-3A98-7137-6098-A8119106FB36}"/>
+                <a16:creationId xmlns:a16="http://schemas.microsoft.com/office/drawing/2014/main" id="{EA20CD47-2EC7-A77D-99BA-8ED828F831DB}"/>
               </a:ext>
             </a:extLst>
           </p:cNvPr>
@@ -5231,7 +5359,7 @@
             <a:spLocks noGrp="1"/>
           </p:cNvSpPr>
           <p:nvPr>
-            <p:ph idx="1"/>
+            <p:ph type="body" idx="1"/>
           </p:nvPr>
         </p:nvSpPr>
         <p:spPr/>
@@ -5239,7 +5367,128 @@
           <a:bodyPr/>
           <a:lstStyle/>
           <a:p>
-            <a:endParaRPr lang="en-GB"/>
+            <a:r>
+              <a:rPr lang="en-GB" dirty="0"/>
+              <a:t>Tokenising</a:t>
+            </a:r>
+          </a:p>
+        </p:txBody>
+      </p:sp>
+      <p:sp>
+        <p:nvSpPr>
+          <p:cNvPr id="10" name="Content Placeholder 9">
+            <a:extLst>
+              <a:ext uri="{FF2B5EF4-FFF2-40B4-BE49-F238E27FC236}">
+                <a16:creationId xmlns:a16="http://schemas.microsoft.com/office/drawing/2014/main" id="{492CA429-8E06-2A21-9775-D8D513177EF7}"/>
+              </a:ext>
+            </a:extLst>
+          </p:cNvPr>
+          <p:cNvSpPr>
+            <a:spLocks noGrp="1"/>
+          </p:cNvSpPr>
+          <p:nvPr>
+            <p:ph sz="half" idx="2"/>
+          </p:nvPr>
+        </p:nvSpPr>
+        <p:spPr/>
+        <p:txBody>
+          <a:bodyPr>
+            <a:normAutofit/>
+          </a:bodyPr>
+          <a:lstStyle/>
+          <a:p>
+            <a:r>
+              <a:rPr lang="en-GB" dirty="0"/>
+              <a:t>Removing stop words and punctuations</a:t>
+            </a:r>
+          </a:p>
+          <a:p>
+            <a:r>
+              <a:rPr lang="en-GB" dirty="0"/>
+              <a:t>Lowercasing</a:t>
+            </a:r>
+          </a:p>
+          <a:p>
+            <a:r>
+              <a:rPr lang="en-GB" dirty="0"/>
+              <a:t>Lemmatisation</a:t>
+            </a:r>
+          </a:p>
+        </p:txBody>
+      </p:sp>
+      <p:sp>
+        <p:nvSpPr>
+          <p:cNvPr id="11" name="Text Placeholder 10">
+            <a:extLst>
+              <a:ext uri="{FF2B5EF4-FFF2-40B4-BE49-F238E27FC236}">
+                <a16:creationId xmlns:a16="http://schemas.microsoft.com/office/drawing/2014/main" id="{06247D6B-9DE4-E6E5-C42B-BA68F46F6D84}"/>
+              </a:ext>
+            </a:extLst>
+          </p:cNvPr>
+          <p:cNvSpPr>
+            <a:spLocks noGrp="1"/>
+          </p:cNvSpPr>
+          <p:nvPr>
+            <p:ph type="body" sz="quarter" idx="3"/>
+          </p:nvPr>
+        </p:nvSpPr>
+        <p:spPr/>
+        <p:txBody>
+          <a:bodyPr/>
+          <a:lstStyle/>
+          <a:p>
+            <a:r>
+              <a:rPr lang="en-GB" dirty="0"/>
+              <a:t>Feature Modelling</a:t>
+            </a:r>
+          </a:p>
+        </p:txBody>
+      </p:sp>
+      <p:sp>
+        <p:nvSpPr>
+          <p:cNvPr id="12" name="Content Placeholder 11">
+            <a:extLst>
+              <a:ext uri="{FF2B5EF4-FFF2-40B4-BE49-F238E27FC236}">
+                <a16:creationId xmlns:a16="http://schemas.microsoft.com/office/drawing/2014/main" id="{6FD4E848-E48D-032B-5CD1-B57083FE50DC}"/>
+              </a:ext>
+            </a:extLst>
+          </p:cNvPr>
+          <p:cNvSpPr>
+            <a:spLocks noGrp="1"/>
+          </p:cNvSpPr>
+          <p:nvPr>
+            <p:ph sz="quarter" idx="4"/>
+          </p:nvPr>
+        </p:nvSpPr>
+        <p:spPr/>
+        <p:txBody>
+          <a:bodyPr/>
+          <a:lstStyle/>
+          <a:p>
+            <a:r>
+              <a:rPr lang="en-GB" dirty="0"/>
+              <a:t>TF-IDF</a:t>
+            </a:r>
+          </a:p>
+          <a:p>
+            <a:pPr lvl="1"/>
+            <a:r>
+              <a:rPr lang="en-GB" sz="1400" dirty="0"/>
+              <a:t>Term Frequency</a:t>
+            </a:r>
+          </a:p>
+          <a:p>
+            <a:pPr lvl="1"/>
+            <a:r>
+              <a:rPr lang="en-GB" sz="1400" dirty="0"/>
+              <a:t>Inverse Document Frequency</a:t>
+            </a:r>
+          </a:p>
+          <a:p>
+            <a:r>
+              <a:rPr lang="en-GB" dirty="0"/>
+              <a:t>Feature Reduction</a:t>
+            </a:r>
           </a:p>
         </p:txBody>
       </p:sp>
@@ -5247,6 +5496,942 @@
     <p:extLst>
       <p:ext uri="{BB962C8B-B14F-4D97-AF65-F5344CB8AC3E}">
         <p14:creationId xmlns:p14="http://schemas.microsoft.com/office/powerpoint/2010/main" val="3541915934"/>
+      </p:ext>
+    </p:extLst>
+  </p:cSld>
+  <p:clrMapOvr>
+    <a:masterClrMapping/>
+  </p:clrMapOvr>
+</p:sld>
+</file>
+
+<file path=ppt/slides/slide6.xml><?xml version="1.0" encoding="utf-8"?>
+<p:sld xmlns:a="http://schemas.openxmlformats.org/drawingml/2006/main" xmlns:r="http://schemas.openxmlformats.org/officeDocument/2006/relationships" xmlns:p="http://schemas.openxmlformats.org/presentationml/2006/main">
+  <p:cSld>
+    <p:spTree>
+      <p:nvGrpSpPr>
+        <p:cNvPr id="1" name=""/>
+        <p:cNvGrpSpPr/>
+        <p:nvPr/>
+      </p:nvGrpSpPr>
+      <p:grpSpPr>
+        <a:xfrm>
+          <a:off x="0" y="0"/>
+          <a:ext cx="0" cy="0"/>
+          <a:chOff x="0" y="0"/>
+          <a:chExt cx="0" cy="0"/>
+        </a:xfrm>
+      </p:grpSpPr>
+      <p:sp>
+        <p:nvSpPr>
+          <p:cNvPr id="2" name="Title 1">
+            <a:extLst>
+              <a:ext uri="{FF2B5EF4-FFF2-40B4-BE49-F238E27FC236}">
+                <a16:creationId xmlns:a16="http://schemas.microsoft.com/office/drawing/2014/main" id="{D7E4CE5E-946F-E3AD-1C41-0D067E211A13}"/>
+              </a:ext>
+            </a:extLst>
+          </p:cNvPr>
+          <p:cNvSpPr>
+            <a:spLocks noGrp="1"/>
+          </p:cNvSpPr>
+          <p:nvPr>
+            <p:ph type="title"/>
+          </p:nvPr>
+        </p:nvSpPr>
+        <p:spPr/>
+        <p:txBody>
+          <a:bodyPr/>
+          <a:lstStyle/>
+          <a:p>
+            <a:pPr algn="l"/>
+            <a:r>
+              <a:rPr lang="en-GB" dirty="0"/>
+              <a:t>System Architecture:</a:t>
+            </a:r>
+            <a:br>
+              <a:rPr lang="en-GB" dirty="0"/>
+            </a:br>
+            <a:r>
+              <a:rPr lang="en-GB" dirty="0"/>
+              <a:t>	</a:t>
+            </a:r>
+            <a:r>
+              <a:rPr lang="en-GB" sz="2800" dirty="0"/>
+              <a:t>Model Creation</a:t>
+            </a:r>
+            <a:endParaRPr lang="en-GB" dirty="0"/>
+          </a:p>
+        </p:txBody>
+      </p:sp>
+      <p:sp>
+        <p:nvSpPr>
+          <p:cNvPr id="9" name="Text Placeholder 8">
+            <a:extLst>
+              <a:ext uri="{FF2B5EF4-FFF2-40B4-BE49-F238E27FC236}">
+                <a16:creationId xmlns:a16="http://schemas.microsoft.com/office/drawing/2014/main" id="{EA20CD47-2EC7-A77D-99BA-8ED828F831DB}"/>
+              </a:ext>
+            </a:extLst>
+          </p:cNvPr>
+          <p:cNvSpPr>
+            <a:spLocks noGrp="1"/>
+          </p:cNvSpPr>
+          <p:nvPr>
+            <p:ph type="body" idx="1"/>
+          </p:nvPr>
+        </p:nvSpPr>
+        <p:spPr/>
+        <p:txBody>
+          <a:bodyPr/>
+          <a:lstStyle/>
+          <a:p>
+            <a:r>
+              <a:rPr lang="en-GB" dirty="0"/>
+              <a:t>Models</a:t>
+            </a:r>
+          </a:p>
+        </p:txBody>
+      </p:sp>
+      <p:sp>
+        <p:nvSpPr>
+          <p:cNvPr id="10" name="Content Placeholder 9">
+            <a:extLst>
+              <a:ext uri="{FF2B5EF4-FFF2-40B4-BE49-F238E27FC236}">
+                <a16:creationId xmlns:a16="http://schemas.microsoft.com/office/drawing/2014/main" id="{492CA429-8E06-2A21-9775-D8D513177EF7}"/>
+              </a:ext>
+            </a:extLst>
+          </p:cNvPr>
+          <p:cNvSpPr>
+            <a:spLocks noGrp="1"/>
+          </p:cNvSpPr>
+          <p:nvPr>
+            <p:ph sz="half" idx="2"/>
+          </p:nvPr>
+        </p:nvSpPr>
+        <p:spPr>
+          <a:xfrm>
+            <a:off x="2609285" y="2851330"/>
+            <a:ext cx="3893623" cy="4006669"/>
+          </a:xfrm>
+        </p:spPr>
+        <p:txBody>
+          <a:bodyPr>
+            <a:normAutofit/>
+          </a:bodyPr>
+          <a:lstStyle/>
+          <a:p>
+            <a:r>
+              <a:rPr lang="en-GB" sz="1800" dirty="0"/>
+              <a:t>Multinomial Naive Bayes</a:t>
+            </a:r>
+          </a:p>
+          <a:p>
+            <a:pPr lvl="1"/>
+            <a:r>
+              <a:rPr lang="en-GB" sz="1200" dirty="0"/>
+              <a:t>A: 0.86, P: 1.00, R: 0.40, F1: 0.58</a:t>
+            </a:r>
+          </a:p>
+          <a:p>
+            <a:r>
+              <a:rPr lang="en-GB" sz="1800" dirty="0"/>
+              <a:t>Support Vector Machines</a:t>
+            </a:r>
+          </a:p>
+          <a:p>
+            <a:pPr lvl="1"/>
+            <a:r>
+              <a:rPr lang="en-GB" sz="1200" dirty="0"/>
+              <a:t>A: 0.95, P: 0.99, R: 0.80, F1: 0.89</a:t>
+            </a:r>
+          </a:p>
+          <a:p>
+            <a:r>
+              <a:rPr lang="en-GB" sz="1800" dirty="0"/>
+              <a:t>Random Forest</a:t>
+            </a:r>
+          </a:p>
+          <a:p>
+            <a:pPr lvl="1"/>
+            <a:r>
+              <a:rPr lang="en-GB" sz="1200" dirty="0"/>
+              <a:t>A: 0.98, P: 0.98, R: 0.93, F1: 0.96</a:t>
+            </a:r>
+          </a:p>
+          <a:p>
+            <a:r>
+              <a:rPr lang="en-GB" sz="1800" dirty="0"/>
+              <a:t>Logistic Regression</a:t>
+            </a:r>
+          </a:p>
+          <a:p>
+            <a:pPr lvl="1"/>
+            <a:r>
+              <a:rPr lang="en-GB" sz="1200" dirty="0"/>
+              <a:t>A: 0.90, P: 1.00, R: 0.58, F1: 0.74</a:t>
+            </a:r>
+          </a:p>
+        </p:txBody>
+      </p:sp>
+      <p:sp>
+        <p:nvSpPr>
+          <p:cNvPr id="11" name="Text Placeholder 10">
+            <a:extLst>
+              <a:ext uri="{FF2B5EF4-FFF2-40B4-BE49-F238E27FC236}">
+                <a16:creationId xmlns:a16="http://schemas.microsoft.com/office/drawing/2014/main" id="{06247D6B-9DE4-E6E5-C42B-BA68F46F6D84}"/>
+              </a:ext>
+            </a:extLst>
+          </p:cNvPr>
+          <p:cNvSpPr>
+            <a:spLocks noGrp="1"/>
+          </p:cNvSpPr>
+          <p:nvPr>
+            <p:ph type="body" sz="quarter" idx="3"/>
+          </p:nvPr>
+        </p:nvSpPr>
+        <p:spPr/>
+        <p:txBody>
+          <a:bodyPr/>
+          <a:lstStyle/>
+          <a:p>
+            <a:r>
+              <a:rPr lang="en-GB" dirty="0"/>
+              <a:t>Hyperparameter Tuning</a:t>
+            </a:r>
+          </a:p>
+        </p:txBody>
+      </p:sp>
+      <p:sp>
+        <p:nvSpPr>
+          <p:cNvPr id="12" name="Content Placeholder 11">
+            <a:extLst>
+              <a:ext uri="{FF2B5EF4-FFF2-40B4-BE49-F238E27FC236}">
+                <a16:creationId xmlns:a16="http://schemas.microsoft.com/office/drawing/2014/main" id="{6FD4E848-E48D-032B-5CD1-B57083FE50DC}"/>
+              </a:ext>
+            </a:extLst>
+          </p:cNvPr>
+          <p:cNvSpPr>
+            <a:spLocks noGrp="1"/>
+          </p:cNvSpPr>
+          <p:nvPr>
+            <p:ph sz="quarter" idx="4"/>
+          </p:nvPr>
+        </p:nvSpPr>
+        <p:spPr/>
+        <p:txBody>
+          <a:bodyPr/>
+          <a:lstStyle/>
+          <a:p>
+            <a:r>
+              <a:rPr lang="en-GB" dirty="0"/>
+              <a:t>Random Forest</a:t>
+            </a:r>
+          </a:p>
+          <a:p>
+            <a:pPr lvl="1"/>
+            <a:r>
+              <a:rPr lang="en-GB" sz="1200" noProof="1">
+                <a:latin typeface="Courier New" panose="02070309020205020404" pitchFamily="49" charset="0"/>
+                <a:cs typeface="Courier New" panose="02070309020205020404" pitchFamily="49" charset="0"/>
+              </a:rPr>
+              <a:t>n_estimators: 400</a:t>
+            </a:r>
+          </a:p>
+          <a:p>
+            <a:pPr lvl="1"/>
+            <a:r>
+              <a:rPr lang="en-GB" sz="1200" noProof="1">
+                <a:latin typeface="Courier New" panose="02070309020205020404" pitchFamily="49" charset="0"/>
+                <a:cs typeface="Courier New" panose="02070309020205020404" pitchFamily="49" charset="0"/>
+              </a:rPr>
+              <a:t>min_samples_split: 2</a:t>
+            </a:r>
+          </a:p>
+          <a:p>
+            <a:pPr lvl="1"/>
+            <a:r>
+              <a:rPr lang="en-GB" sz="1200" noProof="1">
+                <a:latin typeface="Courier New" panose="02070309020205020404" pitchFamily="49" charset="0"/>
+                <a:cs typeface="Courier New" panose="02070309020205020404" pitchFamily="49" charset="0"/>
+              </a:rPr>
+              <a:t>min_samples_leaf: 1</a:t>
+            </a:r>
+          </a:p>
+          <a:p>
+            <a:pPr lvl="1"/>
+            <a:r>
+              <a:rPr lang="en-GB" sz="1200" noProof="1">
+                <a:latin typeface="Courier New" panose="02070309020205020404" pitchFamily="49" charset="0"/>
+                <a:cs typeface="Courier New" panose="02070309020205020404" pitchFamily="49" charset="0"/>
+              </a:rPr>
+              <a:t>max_features: Square Root</a:t>
+            </a:r>
+          </a:p>
+        </p:txBody>
+      </p:sp>
+    </p:spTree>
+    <p:extLst>
+      <p:ext uri="{BB962C8B-B14F-4D97-AF65-F5344CB8AC3E}">
+        <p14:creationId xmlns:p14="http://schemas.microsoft.com/office/powerpoint/2010/main" val="620815599"/>
+      </p:ext>
+    </p:extLst>
+  </p:cSld>
+  <p:clrMapOvr>
+    <a:masterClrMapping/>
+  </p:clrMapOvr>
+</p:sld>
+</file>
+
+<file path=ppt/slides/slide7.xml><?xml version="1.0" encoding="utf-8"?>
+<p:sld xmlns:a="http://schemas.openxmlformats.org/drawingml/2006/main" xmlns:r="http://schemas.openxmlformats.org/officeDocument/2006/relationships" xmlns:p="http://schemas.openxmlformats.org/presentationml/2006/main">
+  <p:cSld>
+    <p:spTree>
+      <p:nvGrpSpPr>
+        <p:cNvPr id="1" name=""/>
+        <p:cNvGrpSpPr/>
+        <p:nvPr/>
+      </p:nvGrpSpPr>
+      <p:grpSpPr>
+        <a:xfrm>
+          <a:off x="0" y="0"/>
+          <a:ext cx="0" cy="0"/>
+          <a:chOff x="0" y="0"/>
+          <a:chExt cx="0" cy="0"/>
+        </a:xfrm>
+      </p:grpSpPr>
+      <p:sp>
+        <p:nvSpPr>
+          <p:cNvPr id="2" name="Title 1">
+            <a:extLst>
+              <a:ext uri="{FF2B5EF4-FFF2-40B4-BE49-F238E27FC236}">
+                <a16:creationId xmlns:a16="http://schemas.microsoft.com/office/drawing/2014/main" id="{D7E4CE5E-946F-E3AD-1C41-0D067E211A13}"/>
+              </a:ext>
+            </a:extLst>
+          </p:cNvPr>
+          <p:cNvSpPr>
+            <a:spLocks noGrp="1"/>
+          </p:cNvSpPr>
+          <p:nvPr>
+            <p:ph type="title"/>
+          </p:nvPr>
+        </p:nvSpPr>
+        <p:spPr/>
+        <p:txBody>
+          <a:bodyPr/>
+          <a:lstStyle/>
+          <a:p>
+            <a:pPr algn="l"/>
+            <a:r>
+              <a:rPr lang="en-GB" dirty="0"/>
+              <a:t>System Architecture:</a:t>
+            </a:r>
+            <a:br>
+              <a:rPr lang="en-GB" dirty="0"/>
+            </a:br>
+            <a:r>
+              <a:rPr lang="en-GB" dirty="0"/>
+              <a:t>	</a:t>
+            </a:r>
+            <a:r>
+              <a:rPr lang="en-GB" sz="2800" dirty="0"/>
+              <a:t>BERT</a:t>
+            </a:r>
+            <a:endParaRPr lang="en-GB" dirty="0"/>
+          </a:p>
+        </p:txBody>
+      </p:sp>
+      <p:sp>
+        <p:nvSpPr>
+          <p:cNvPr id="9" name="Text Placeholder 8">
+            <a:extLst>
+              <a:ext uri="{FF2B5EF4-FFF2-40B4-BE49-F238E27FC236}">
+                <a16:creationId xmlns:a16="http://schemas.microsoft.com/office/drawing/2014/main" id="{EA20CD47-2EC7-A77D-99BA-8ED828F831DB}"/>
+              </a:ext>
+            </a:extLst>
+          </p:cNvPr>
+          <p:cNvSpPr>
+            <a:spLocks noGrp="1"/>
+          </p:cNvSpPr>
+          <p:nvPr>
+            <p:ph type="body" idx="1"/>
+          </p:nvPr>
+        </p:nvSpPr>
+        <p:spPr/>
+        <p:txBody>
+          <a:bodyPr/>
+          <a:lstStyle/>
+          <a:p>
+            <a:r>
+              <a:rPr lang="en-GB" dirty="0"/>
+              <a:t>Model Creation</a:t>
+            </a:r>
+          </a:p>
+        </p:txBody>
+      </p:sp>
+      <p:sp>
+        <p:nvSpPr>
+          <p:cNvPr id="10" name="Content Placeholder 9">
+            <a:extLst>
+              <a:ext uri="{FF2B5EF4-FFF2-40B4-BE49-F238E27FC236}">
+                <a16:creationId xmlns:a16="http://schemas.microsoft.com/office/drawing/2014/main" id="{492CA429-8E06-2A21-9775-D8D513177EF7}"/>
+              </a:ext>
+            </a:extLst>
+          </p:cNvPr>
+          <p:cNvSpPr>
+            <a:spLocks noGrp="1"/>
+          </p:cNvSpPr>
+          <p:nvPr>
+            <p:ph sz="half" idx="2"/>
+          </p:nvPr>
+        </p:nvSpPr>
+        <p:spPr>
+          <a:xfrm>
+            <a:off x="2609285" y="2851330"/>
+            <a:ext cx="3893623" cy="3071435"/>
+          </a:xfrm>
+        </p:spPr>
+        <p:txBody>
+          <a:bodyPr>
+            <a:noAutofit/>
+          </a:bodyPr>
+          <a:lstStyle/>
+          <a:p>
+            <a:r>
+              <a:rPr lang="en-GB" sz="2000" dirty="0"/>
+              <a:t>Creation</a:t>
+            </a:r>
+          </a:p>
+          <a:p>
+            <a:r>
+              <a:rPr lang="en-GB" dirty="0"/>
+              <a:t>Training</a:t>
+            </a:r>
+          </a:p>
+          <a:p>
+            <a:r>
+              <a:rPr lang="en-GB" sz="2000" dirty="0"/>
+              <a:t>Loop</a:t>
+            </a:r>
+          </a:p>
+        </p:txBody>
+      </p:sp>
+      <p:sp>
+        <p:nvSpPr>
+          <p:cNvPr id="11" name="Text Placeholder 10">
+            <a:extLst>
+              <a:ext uri="{FF2B5EF4-FFF2-40B4-BE49-F238E27FC236}">
+                <a16:creationId xmlns:a16="http://schemas.microsoft.com/office/drawing/2014/main" id="{06247D6B-9DE4-E6E5-C42B-BA68F46F6D84}"/>
+              </a:ext>
+            </a:extLst>
+          </p:cNvPr>
+          <p:cNvSpPr>
+            <a:spLocks noGrp="1"/>
+          </p:cNvSpPr>
+          <p:nvPr>
+            <p:ph type="body" sz="quarter" idx="3"/>
+          </p:nvPr>
+        </p:nvSpPr>
+        <p:spPr/>
+        <p:txBody>
+          <a:bodyPr/>
+          <a:lstStyle/>
+          <a:p>
+            <a:r>
+              <a:rPr lang="en-GB" dirty="0"/>
+              <a:t>Evaluation</a:t>
+            </a:r>
+          </a:p>
+        </p:txBody>
+      </p:sp>
+      <p:sp>
+        <p:nvSpPr>
+          <p:cNvPr id="12" name="Content Placeholder 11">
+            <a:extLst>
+              <a:ext uri="{FF2B5EF4-FFF2-40B4-BE49-F238E27FC236}">
+                <a16:creationId xmlns:a16="http://schemas.microsoft.com/office/drawing/2014/main" id="{6FD4E848-E48D-032B-5CD1-B57083FE50DC}"/>
+              </a:ext>
+            </a:extLst>
+          </p:cNvPr>
+          <p:cNvSpPr>
+            <a:spLocks noGrp="1"/>
+          </p:cNvSpPr>
+          <p:nvPr>
+            <p:ph sz="quarter" idx="4"/>
+          </p:nvPr>
+        </p:nvSpPr>
+        <p:spPr/>
+        <p:txBody>
+          <a:bodyPr>
+            <a:normAutofit/>
+          </a:bodyPr>
+          <a:lstStyle/>
+          <a:p>
+            <a:r>
+              <a:rPr lang="en-GB" sz="1600" dirty="0">
+                <a:ea typeface="Open Sans" panose="020B0606030504020204" pitchFamily="34" charset="0"/>
+                <a:cs typeface="Open Sans" panose="020B0606030504020204" pitchFamily="34" charset="0"/>
+              </a:rPr>
+              <a:t>Accuracy: 0.98</a:t>
+            </a:r>
+          </a:p>
+          <a:p>
+            <a:r>
+              <a:rPr lang="en-GB" sz="1600" noProof="1">
+                <a:ea typeface="Open Sans" panose="020B0606030504020204" pitchFamily="34" charset="0"/>
+                <a:cs typeface="Open Sans" panose="020B0606030504020204" pitchFamily="34" charset="0"/>
+              </a:rPr>
+              <a:t>Precision: 0.96</a:t>
+            </a:r>
+          </a:p>
+          <a:p>
+            <a:r>
+              <a:rPr lang="en-GB" sz="1600" noProof="1">
+                <a:ea typeface="Open Sans" panose="020B0606030504020204" pitchFamily="34" charset="0"/>
+                <a:cs typeface="Open Sans" panose="020B0606030504020204" pitchFamily="34" charset="0"/>
+              </a:rPr>
+              <a:t>Recall: 0.94</a:t>
+            </a:r>
+          </a:p>
+          <a:p>
+            <a:r>
+              <a:rPr lang="en-GB" sz="1600" noProof="1">
+                <a:ea typeface="Open Sans" panose="020B0606030504020204" pitchFamily="34" charset="0"/>
+                <a:cs typeface="Open Sans" panose="020B0606030504020204" pitchFamily="34" charset="0"/>
+              </a:rPr>
+              <a:t>F1 Score: 0.95</a:t>
+            </a:r>
+          </a:p>
+        </p:txBody>
+      </p:sp>
+    </p:spTree>
+    <p:extLst>
+      <p:ext uri="{BB962C8B-B14F-4D97-AF65-F5344CB8AC3E}">
+        <p14:creationId xmlns:p14="http://schemas.microsoft.com/office/powerpoint/2010/main" val="3685142077"/>
+      </p:ext>
+    </p:extLst>
+  </p:cSld>
+  <p:clrMapOvr>
+    <a:masterClrMapping/>
+  </p:clrMapOvr>
+</p:sld>
+</file>
+
+<file path=ppt/slides/slide8.xml><?xml version="1.0" encoding="utf-8"?>
+<p:sld xmlns:a="http://schemas.openxmlformats.org/drawingml/2006/main" xmlns:r="http://schemas.openxmlformats.org/officeDocument/2006/relationships" xmlns:p="http://schemas.openxmlformats.org/presentationml/2006/main">
+  <p:cSld>
+    <p:spTree>
+      <p:nvGrpSpPr>
+        <p:cNvPr id="1" name=""/>
+        <p:cNvGrpSpPr/>
+        <p:nvPr/>
+      </p:nvGrpSpPr>
+      <p:grpSpPr>
+        <a:xfrm>
+          <a:off x="0" y="0"/>
+          <a:ext cx="0" cy="0"/>
+          <a:chOff x="0" y="0"/>
+          <a:chExt cx="0" cy="0"/>
+        </a:xfrm>
+      </p:grpSpPr>
+      <p:sp>
+        <p:nvSpPr>
+          <p:cNvPr id="2" name="Title 1">
+            <a:extLst>
+              <a:ext uri="{FF2B5EF4-FFF2-40B4-BE49-F238E27FC236}">
+                <a16:creationId xmlns:a16="http://schemas.microsoft.com/office/drawing/2014/main" id="{E4E316C3-AB08-B5E9-409B-00B211091D86}"/>
+              </a:ext>
+            </a:extLst>
+          </p:cNvPr>
+          <p:cNvSpPr>
+            <a:spLocks noGrp="1"/>
+          </p:cNvSpPr>
+          <p:nvPr>
+            <p:ph type="title"/>
+          </p:nvPr>
+        </p:nvSpPr>
+        <p:spPr/>
+        <p:txBody>
+          <a:bodyPr/>
+          <a:lstStyle/>
+          <a:p>
+            <a:pPr algn="l"/>
+            <a:r>
+              <a:rPr lang="en-GB" dirty="0"/>
+              <a:t>Dataset</a:t>
+            </a:r>
+          </a:p>
+        </p:txBody>
+      </p:sp>
+      <p:sp>
+        <p:nvSpPr>
+          <p:cNvPr id="3" name="Content Placeholder 2">
+            <a:extLst>
+              <a:ext uri="{FF2B5EF4-FFF2-40B4-BE49-F238E27FC236}">
+                <a16:creationId xmlns:a16="http://schemas.microsoft.com/office/drawing/2014/main" id="{ED3BD74D-38B9-25B0-9802-3B8D2083C17F}"/>
+              </a:ext>
+            </a:extLst>
+          </p:cNvPr>
+          <p:cNvSpPr>
+            <a:spLocks noGrp="1"/>
+          </p:cNvSpPr>
+          <p:nvPr>
+            <p:ph idx="1"/>
+          </p:nvPr>
+        </p:nvSpPr>
+        <p:spPr/>
+        <p:txBody>
+          <a:bodyPr anchor="t"/>
+          <a:lstStyle/>
+          <a:p>
+            <a:r>
+              <a:rPr lang="en-GB" dirty="0"/>
+              <a:t>Our dataset consists of two columns: </a:t>
+            </a:r>
+            <a:r>
+              <a:rPr lang="en-GB" dirty="0">
+                <a:latin typeface="Courier New" panose="02070309020205020404" pitchFamily="49" charset="0"/>
+                <a:cs typeface="Courier New" panose="02070309020205020404" pitchFamily="49" charset="0"/>
+              </a:rPr>
+              <a:t>text</a:t>
+            </a:r>
+            <a:r>
+              <a:rPr lang="en-GB" dirty="0"/>
+              <a:t> and </a:t>
+            </a:r>
+            <a:r>
+              <a:rPr lang="en-GB" dirty="0">
+                <a:latin typeface="Courier New" panose="02070309020205020404" pitchFamily="49" charset="0"/>
+                <a:cs typeface="Courier New" panose="02070309020205020404" pitchFamily="49" charset="0"/>
+              </a:rPr>
+              <a:t>spam</a:t>
+            </a:r>
+            <a:r>
+              <a:rPr lang="en-GB" dirty="0"/>
+              <a:t>, which contains the email content and an indicator for spam/ham.</a:t>
+            </a:r>
+          </a:p>
+          <a:p>
+            <a:r>
+              <a:rPr lang="en-GB" dirty="0"/>
+              <a:t>There are 5695 rows.</a:t>
+            </a:r>
+          </a:p>
+          <a:p>
+            <a:r>
+              <a:rPr lang="en-GB" dirty="0"/>
+              <a:t>%76 of them are ham, the rest are categorised as spam.</a:t>
+            </a:r>
+          </a:p>
+        </p:txBody>
+      </p:sp>
+    </p:spTree>
+    <p:extLst>
+      <p:ext uri="{BB962C8B-B14F-4D97-AF65-F5344CB8AC3E}">
+        <p14:creationId xmlns:p14="http://schemas.microsoft.com/office/powerpoint/2010/main" val="2779723915"/>
+      </p:ext>
+    </p:extLst>
+  </p:cSld>
+  <p:clrMapOvr>
+    <a:masterClrMapping/>
+  </p:clrMapOvr>
+</p:sld>
+</file>
+
+<file path=ppt/slides/slide9.xml><?xml version="1.0" encoding="utf-8"?>
+<p:sld xmlns:a="http://schemas.openxmlformats.org/drawingml/2006/main" xmlns:r="http://schemas.openxmlformats.org/officeDocument/2006/relationships" xmlns:p="http://schemas.openxmlformats.org/presentationml/2006/main">
+  <p:cSld>
+    <p:spTree>
+      <p:nvGrpSpPr>
+        <p:cNvPr id="1" name=""/>
+        <p:cNvGrpSpPr/>
+        <p:nvPr/>
+      </p:nvGrpSpPr>
+      <p:grpSpPr>
+        <a:xfrm>
+          <a:off x="0" y="0"/>
+          <a:ext cx="0" cy="0"/>
+          <a:chOff x="0" y="0"/>
+          <a:chExt cx="0" cy="0"/>
+        </a:xfrm>
+      </p:grpSpPr>
+      <p:sp>
+        <p:nvSpPr>
+          <p:cNvPr id="2" name="Title 1">
+            <a:extLst>
+              <a:ext uri="{FF2B5EF4-FFF2-40B4-BE49-F238E27FC236}">
+                <a16:creationId xmlns:a16="http://schemas.microsoft.com/office/drawing/2014/main" id="{55992F64-6168-40DF-5350-A56D81EFA157}"/>
+              </a:ext>
+            </a:extLst>
+          </p:cNvPr>
+          <p:cNvSpPr>
+            <a:spLocks noGrp="1"/>
+          </p:cNvSpPr>
+          <p:nvPr>
+            <p:ph type="title"/>
+          </p:nvPr>
+        </p:nvSpPr>
+        <p:spPr/>
+        <p:txBody>
+          <a:bodyPr/>
+          <a:lstStyle/>
+          <a:p>
+            <a:pPr algn="l"/>
+            <a:r>
+              <a:rPr lang="en-GB" dirty="0"/>
+              <a:t>Experimental Results</a:t>
+            </a:r>
+          </a:p>
+        </p:txBody>
+      </p:sp>
+      <p:sp>
+        <p:nvSpPr>
+          <p:cNvPr id="5" name="Text Placeholder 4">
+            <a:extLst>
+              <a:ext uri="{FF2B5EF4-FFF2-40B4-BE49-F238E27FC236}">
+                <a16:creationId xmlns:a16="http://schemas.microsoft.com/office/drawing/2014/main" id="{3CCE79D7-C1E5-0F92-EF3C-20FD10D78D69}"/>
+              </a:ext>
+            </a:extLst>
+          </p:cNvPr>
+          <p:cNvSpPr>
+            <a:spLocks noGrp="1"/>
+          </p:cNvSpPr>
+          <p:nvPr>
+            <p:ph type="body" idx="1"/>
+          </p:nvPr>
+        </p:nvSpPr>
+        <p:spPr/>
+        <p:txBody>
+          <a:bodyPr/>
+          <a:lstStyle/>
+          <a:p>
+            <a:r>
+              <a:rPr lang="en-GB" dirty="0"/>
+              <a:t>Random Forest</a:t>
+            </a:r>
+          </a:p>
+        </p:txBody>
+      </p:sp>
+      <p:sp>
+        <p:nvSpPr>
+          <p:cNvPr id="6" name="Content Placeholder 5">
+            <a:extLst>
+              <a:ext uri="{FF2B5EF4-FFF2-40B4-BE49-F238E27FC236}">
+                <a16:creationId xmlns:a16="http://schemas.microsoft.com/office/drawing/2014/main" id="{2FF6ED9F-AC71-875F-C51A-FF8887B26C67}"/>
+              </a:ext>
+            </a:extLst>
+          </p:cNvPr>
+          <p:cNvSpPr>
+            <a:spLocks noGrp="1"/>
+          </p:cNvSpPr>
+          <p:nvPr>
+            <p:ph sz="half" idx="2"/>
+          </p:nvPr>
+        </p:nvSpPr>
+        <p:spPr/>
+        <p:txBody>
+          <a:bodyPr>
+            <a:normAutofit fontScale="70000" lnSpcReduction="20000"/>
+          </a:bodyPr>
+          <a:lstStyle/>
+          <a:p>
+            <a:r>
+              <a:rPr lang="en-GB" dirty="0"/>
+              <a:t>After hyperparameter tuning, the results are:</a:t>
+            </a:r>
+          </a:p>
+          <a:p>
+            <a:pPr lvl="1"/>
+            <a:r>
+              <a:rPr lang="en-GB" sz="1200" dirty="0">
+                <a:latin typeface="Courier New" panose="02070309020205020404" pitchFamily="49" charset="0"/>
+                <a:cs typeface="Courier New" panose="02070309020205020404" pitchFamily="49" charset="0"/>
+              </a:rPr>
+              <a:t>Accuracy : 0.97</a:t>
+            </a:r>
+          </a:p>
+          <a:p>
+            <a:pPr lvl="1"/>
+            <a:r>
+              <a:rPr lang="en-GB" sz="1200" dirty="0">
+                <a:latin typeface="Courier New" panose="02070309020205020404" pitchFamily="49" charset="0"/>
+                <a:cs typeface="Courier New" panose="02070309020205020404" pitchFamily="49" charset="0"/>
+              </a:rPr>
+              <a:t>Precision: 0.97</a:t>
+            </a:r>
+          </a:p>
+          <a:p>
+            <a:pPr lvl="1"/>
+            <a:r>
+              <a:rPr lang="en-GB" sz="1200" dirty="0">
+                <a:latin typeface="Courier New" panose="02070309020205020404" pitchFamily="49" charset="0"/>
+                <a:cs typeface="Courier New" panose="02070309020205020404" pitchFamily="49" charset="0"/>
+              </a:rPr>
+              <a:t>Recall   : 0.94</a:t>
+            </a:r>
+          </a:p>
+          <a:p>
+            <a:pPr lvl="1"/>
+            <a:r>
+              <a:rPr lang="en-GB" sz="1200" dirty="0">
+                <a:latin typeface="Courier New" panose="02070309020205020404" pitchFamily="49" charset="0"/>
+                <a:cs typeface="Courier New" panose="02070309020205020404" pitchFamily="49" charset="0"/>
+              </a:rPr>
+              <a:t>F1 Score : 0.95</a:t>
+            </a:r>
+          </a:p>
+          <a:p>
+            <a:r>
+              <a:rPr lang="en-GB" dirty="0"/>
+              <a:t>Using the following properties:</a:t>
+            </a:r>
+          </a:p>
+          <a:p>
+            <a:pPr lvl="1"/>
+            <a:r>
+              <a:rPr lang="en-GB" sz="1200" noProof="1">
+                <a:latin typeface="Courier New" panose="02070309020205020404" pitchFamily="49" charset="0"/>
+                <a:cs typeface="Courier New" panose="02070309020205020404" pitchFamily="49" charset="0"/>
+              </a:rPr>
+              <a:t>n_estimators: 400</a:t>
+            </a:r>
+          </a:p>
+          <a:p>
+            <a:pPr lvl="1"/>
+            <a:r>
+              <a:rPr lang="en-GB" sz="1200" noProof="1">
+                <a:latin typeface="Courier New" panose="02070309020205020404" pitchFamily="49" charset="0"/>
+                <a:cs typeface="Courier New" panose="02070309020205020404" pitchFamily="49" charset="0"/>
+              </a:rPr>
+              <a:t>min_samples_split: 2</a:t>
+            </a:r>
+          </a:p>
+          <a:p>
+            <a:pPr lvl="1"/>
+            <a:r>
+              <a:rPr lang="en-GB" sz="1200" noProof="1">
+                <a:latin typeface="Courier New" panose="02070309020205020404" pitchFamily="49" charset="0"/>
+                <a:cs typeface="Courier New" panose="02070309020205020404" pitchFamily="49" charset="0"/>
+              </a:rPr>
+              <a:t>min_samples_leaf: 1</a:t>
+            </a:r>
+          </a:p>
+          <a:p>
+            <a:pPr lvl="1"/>
+            <a:r>
+              <a:rPr lang="en-GB" sz="1200" noProof="1">
+                <a:latin typeface="Courier New" panose="02070309020205020404" pitchFamily="49" charset="0"/>
+                <a:cs typeface="Courier New" panose="02070309020205020404" pitchFamily="49" charset="0"/>
+              </a:rPr>
+              <a:t>max_features: Square Root</a:t>
+            </a:r>
+            <a:endParaRPr lang="en-GB" sz="1200" dirty="0">
+              <a:latin typeface="Courier New" panose="02070309020205020404" pitchFamily="49" charset="0"/>
+              <a:cs typeface="Courier New" panose="02070309020205020404" pitchFamily="49" charset="0"/>
+            </a:endParaRPr>
+          </a:p>
+        </p:txBody>
+      </p:sp>
+      <p:sp>
+        <p:nvSpPr>
+          <p:cNvPr id="7" name="Text Placeholder 6">
+            <a:extLst>
+              <a:ext uri="{FF2B5EF4-FFF2-40B4-BE49-F238E27FC236}">
+                <a16:creationId xmlns:a16="http://schemas.microsoft.com/office/drawing/2014/main" id="{7C52A563-B3B8-DF23-1397-80A8FB4BE540}"/>
+              </a:ext>
+            </a:extLst>
+          </p:cNvPr>
+          <p:cNvSpPr>
+            <a:spLocks noGrp="1"/>
+          </p:cNvSpPr>
+          <p:nvPr>
+            <p:ph type="body" sz="quarter" idx="3"/>
+          </p:nvPr>
+        </p:nvSpPr>
+        <p:spPr/>
+        <p:txBody>
+          <a:bodyPr/>
+          <a:lstStyle/>
+          <a:p>
+            <a:r>
+              <a:rPr lang="en-GB" dirty="0"/>
+              <a:t>BERT</a:t>
+            </a:r>
+          </a:p>
+        </p:txBody>
+      </p:sp>
+      <p:sp>
+        <p:nvSpPr>
+          <p:cNvPr id="8" name="Content Placeholder 7">
+            <a:extLst>
+              <a:ext uri="{FF2B5EF4-FFF2-40B4-BE49-F238E27FC236}">
+                <a16:creationId xmlns:a16="http://schemas.microsoft.com/office/drawing/2014/main" id="{347C472D-BC39-5927-4E7F-2A612D226469}"/>
+              </a:ext>
+            </a:extLst>
+          </p:cNvPr>
+          <p:cNvSpPr>
+            <a:spLocks noGrp="1"/>
+          </p:cNvSpPr>
+          <p:nvPr>
+            <p:ph sz="quarter" idx="4"/>
+          </p:nvPr>
+        </p:nvSpPr>
+        <p:spPr/>
+        <p:txBody>
+          <a:bodyPr>
+            <a:normAutofit fontScale="70000" lnSpcReduction="20000"/>
+          </a:bodyPr>
+          <a:lstStyle/>
+          <a:p>
+            <a:r>
+              <a:rPr lang="en-GB" dirty="0"/>
+              <a:t>With 20 epochs and 0.0002 learning rate, the results are:</a:t>
+            </a:r>
+          </a:p>
+          <a:p>
+            <a:pPr lvl="1"/>
+            <a:r>
+              <a:rPr lang="en-GB" sz="1700" dirty="0">
+                <a:latin typeface="Courier New" panose="02070309020205020404" pitchFamily="49" charset="0"/>
+                <a:cs typeface="Courier New" panose="02070309020205020404" pitchFamily="49" charset="0"/>
+              </a:rPr>
+              <a:t>Accuracy : 0.98</a:t>
+            </a:r>
+          </a:p>
+          <a:p>
+            <a:pPr lvl="1"/>
+            <a:r>
+              <a:rPr lang="en-GB" sz="1700" dirty="0">
+                <a:latin typeface="Courier New" panose="02070309020205020404" pitchFamily="49" charset="0"/>
+                <a:cs typeface="Courier New" panose="02070309020205020404" pitchFamily="49" charset="0"/>
+              </a:rPr>
+              <a:t>Precision: 0.96</a:t>
+            </a:r>
+          </a:p>
+          <a:p>
+            <a:pPr lvl="1"/>
+            <a:r>
+              <a:rPr lang="en-GB" sz="1700" dirty="0">
+                <a:latin typeface="Courier New" panose="02070309020205020404" pitchFamily="49" charset="0"/>
+                <a:cs typeface="Courier New" panose="02070309020205020404" pitchFamily="49" charset="0"/>
+              </a:rPr>
+              <a:t>Recall   : 0.94</a:t>
+            </a:r>
+          </a:p>
+          <a:p>
+            <a:pPr lvl="1"/>
+            <a:r>
+              <a:rPr lang="en-GB" sz="1700" dirty="0">
+                <a:latin typeface="Courier New" panose="02070309020205020404" pitchFamily="49" charset="0"/>
+                <a:cs typeface="Courier New" panose="02070309020205020404" pitchFamily="49" charset="0"/>
+              </a:rPr>
+              <a:t>F1 Score : 0.95</a:t>
+            </a:r>
+          </a:p>
+        </p:txBody>
+      </p:sp>
+    </p:spTree>
+    <p:extLst>
+      <p:ext uri="{BB962C8B-B14F-4D97-AF65-F5344CB8AC3E}">
+        <p14:creationId xmlns:p14="http://schemas.microsoft.com/office/powerpoint/2010/main" val="525780300"/>
       </p:ext>
     </p:extLst>
   </p:cSld>
